--- a/Presentations/UML-OO en LD.pptx
+++ b/Presentations/UML-OO en LD.pptx
@@ -104,6 +104,11 @@
       </a:defRPr>
     </a:lvl9pPr>
   </p:defaultTextStyle>
+  <p:extLst>
+    <p:ext uri="{EFAFB233-063F-42B5-8137-9DF3F51BA10A}">
+      <p15:sldGuideLst xmlns:p15="http://schemas.microsoft.com/office/powerpoint/2012/main"/>
+    </p:ext>
+  </p:extLst>
 </p:presentation>
 </file>
 
@@ -3719,8 +3724,8 @@
         </p:nvSpPr>
         <p:spPr>
           <a:xfrm>
-            <a:off x="6557579" y="5626893"/>
-            <a:ext cx="4987263" cy="738664"/>
+            <a:off x="6431745" y="5626893"/>
+            <a:ext cx="5238935" cy="738664"/>
           </a:xfrm>
           <a:prstGeom prst="rect">
             <a:avLst/>
@@ -3740,7 +3745,7 @@
                 <a:ea typeface="Verdana" panose="020B0604030504040204" pitchFamily="34" charset="0"/>
                 <a:cs typeface="Verdana" panose="020B0604030504040204" pitchFamily="34" charset="0"/>
               </a:rPr>
-              <a:t>Het beschouwingsgebied past in de hele wereld</a:t>
+              <a:t>Het beschouwingsgebied is deel van totale wereld</a:t>
             </a:r>
           </a:p>
           <a:p>
